--- a/VideoTalks/Module1/slides.pptx
+++ b/VideoTalks/Module1/slides.pptx
@@ -9,8 +9,8 @@
   </p:notesMasterIdLst>
   <p:sldIdLst>
     <p:sldId id="257" r:id="rId2"/>
-    <p:sldId id="272" r:id="rId3"/>
-    <p:sldId id="294" r:id="rId4"/>
+    <p:sldId id="294" r:id="rId3"/>
+    <p:sldId id="299" r:id="rId4"/>
     <p:sldId id="295" r:id="rId5"/>
     <p:sldId id="274" r:id="rId6"/>
     <p:sldId id="276" r:id="rId7"/>
@@ -215,7 +215,7 @@
           <a:p>
             <a:fld id="{CA2C2033-85FE-A047-A0A0-3F1F7EDB8643}" type="datetimeFigureOut">
               <a:rPr lang="en-US" smtClean="0"/>
-              <a:t>03/09/15</a:t>
+              <a:t>04/09/15</a:t>
             </a:fld>
             <a:endParaRPr lang="en-US"/>
           </a:p>
@@ -955,7 +955,7 @@
           <a:p>
             <a:fld id="{F626098B-D984-3942-AA82-D2C717B27AA5}" type="datetimeFigureOut">
               <a:rPr lang="en-US" smtClean="0"/>
-              <a:t>03/09/15</a:t>
+              <a:t>04/09/15</a:t>
             </a:fld>
             <a:endParaRPr lang="en-US"/>
           </a:p>
@@ -1133,7 +1133,7 @@
           <a:p>
             <a:fld id="{F626098B-D984-3942-AA82-D2C717B27AA5}" type="datetimeFigureOut">
               <a:rPr lang="en-US" smtClean="0"/>
-              <a:t>03/09/15</a:t>
+              <a:t>04/09/15</a:t>
             </a:fld>
             <a:endParaRPr lang="en-US"/>
           </a:p>
@@ -1316,7 +1316,7 @@
           <a:p>
             <a:fld id="{F626098B-D984-3942-AA82-D2C717B27AA5}" type="datetimeFigureOut">
               <a:rPr lang="en-US" smtClean="0"/>
-              <a:t>03/09/15</a:t>
+              <a:t>04/09/15</a:t>
             </a:fld>
             <a:endParaRPr lang="en-US"/>
           </a:p>
@@ -1463,7 +1463,7 @@
           <a:p>
             <a:fld id="{F626098B-D984-3942-AA82-D2C717B27AA5}" type="datetimeFigureOut">
               <a:rPr lang="en-US" smtClean="0"/>
-              <a:t>03/09/15</a:t>
+              <a:t>04/09/15</a:t>
             </a:fld>
             <a:endParaRPr lang="en-US"/>
           </a:p>
@@ -1712,7 +1712,7 @@
           <a:p>
             <a:fld id="{F626098B-D984-3942-AA82-D2C717B27AA5}" type="datetimeFigureOut">
               <a:rPr lang="en-US" smtClean="0"/>
-              <a:t>03/09/15</a:t>
+              <a:t>04/09/15</a:t>
             </a:fld>
             <a:endParaRPr lang="en-US"/>
           </a:p>
@@ -2008,7 +2008,7 @@
           <a:p>
             <a:fld id="{F626098B-D984-3942-AA82-D2C717B27AA5}" type="datetimeFigureOut">
               <a:rPr lang="en-US" smtClean="0"/>
-              <a:t>03/09/15</a:t>
+              <a:t>04/09/15</a:t>
             </a:fld>
             <a:endParaRPr lang="en-US"/>
           </a:p>
@@ -2438,7 +2438,7 @@
           <a:p>
             <a:fld id="{F626098B-D984-3942-AA82-D2C717B27AA5}" type="datetimeFigureOut">
               <a:rPr lang="en-US" smtClean="0"/>
-              <a:t>03/09/15</a:t>
+              <a:t>04/09/15</a:t>
             </a:fld>
             <a:endParaRPr lang="en-US"/>
           </a:p>
@@ -2564,7 +2564,7 @@
           <a:p>
             <a:fld id="{F626098B-D984-3942-AA82-D2C717B27AA5}" type="datetimeFigureOut">
               <a:rPr lang="en-US" smtClean="0"/>
-              <a:t>03/09/15</a:t>
+              <a:t>04/09/15</a:t>
             </a:fld>
             <a:endParaRPr lang="en-US"/>
           </a:p>
@@ -2659,7 +2659,7 @@
           <a:p>
             <a:fld id="{F626098B-D984-3942-AA82-D2C717B27AA5}" type="datetimeFigureOut">
               <a:rPr lang="en-US" smtClean="0"/>
-              <a:t>03/09/15</a:t>
+              <a:t>04/09/15</a:t>
             </a:fld>
             <a:endParaRPr lang="en-US"/>
           </a:p>
@@ -2939,7 +2939,7 @@
           <a:p>
             <a:fld id="{F626098B-D984-3942-AA82-D2C717B27AA5}" type="datetimeFigureOut">
               <a:rPr lang="en-US" smtClean="0"/>
-              <a:t>03/09/15</a:t>
+              <a:t>04/09/15</a:t>
             </a:fld>
             <a:endParaRPr lang="en-US"/>
           </a:p>
@@ -3195,7 +3195,7 @@
           <a:p>
             <a:fld id="{F626098B-D984-3942-AA82-D2C717B27AA5}" type="datetimeFigureOut">
               <a:rPr lang="en-US" smtClean="0"/>
-              <a:t>03/09/15</a:t>
+              <a:t>04/09/15</a:t>
             </a:fld>
             <a:endParaRPr lang="en-US"/>
           </a:p>
@@ -3375,7 +3375,7 @@
           <a:p>
             <a:fld id="{F626098B-D984-3942-AA82-D2C717B27AA5}" type="datetimeFigureOut">
               <a:rPr lang="en-US" smtClean="0"/>
-              <a:t>03/09/15</a:t>
+              <a:t>04/09/15</a:t>
             </a:fld>
             <a:endParaRPr lang="en-US"/>
           </a:p>
@@ -3772,10 +3772,22 @@
             </a:r>
           </a:p>
           <a:p>
-            <a:pPr lvl="0"/>
+            <a:pPr lvl="1"/>
             <a:r>
               <a:rPr lang="en-US" dirty="0"/>
-              <a:t>what cloud computing is and how it can benefit your </a:t>
+              <a:t>what cloud computing is </a:t>
+            </a:r>
+            <a:endParaRPr lang="en-US" dirty="0" smtClean="0"/>
+          </a:p>
+          <a:p>
+            <a:pPr lvl="1"/>
+            <a:r>
+              <a:rPr lang="en-US" dirty="0" smtClean="0"/>
+              <a:t>how </a:t>
+            </a:r>
+            <a:r>
+              <a:rPr lang="en-US" dirty="0"/>
+              <a:t>it can benefit your </a:t>
             </a:r>
             <a:r>
               <a:rPr lang="en-US" dirty="0" smtClean="0"/>
@@ -3783,7 +3795,7 @@
             </a:r>
           </a:p>
           <a:p>
-            <a:pPr lvl="0"/>
+            <a:pPr lvl="1"/>
             <a:r>
               <a:rPr lang="en-US" dirty="0" smtClean="0"/>
               <a:t>types of services NeCTAR offers</a:t>
@@ -3817,6 +3829,13 @@
       <p:transition xmlns:p14="http://schemas.microsoft.com/office/powerpoint/2010/main" spd="slow"/>
     </mc:Fallback>
   </mc:AlternateContent>
+  <p:timing>
+    <p:tnLst>
+      <p:par>
+        <p:cTn xmlns:p14="http://schemas.microsoft.com/office/powerpoint/2010/main" id="1" dur="indefinite" restart="never" nodeType="tmRoot"/>
+      </p:par>
+    </p:tnLst>
+  </p:timing>
 </p:sld>
 </file>
 
@@ -3899,13 +3918,7 @@
               <a:rPr lang="en-US" i="1" dirty="0" smtClean="0">
                 <a:sym typeface="Helvetica"/>
               </a:rPr>
-              <a:t>Software</a:t>
-            </a:r>
-            <a:r>
-              <a:rPr lang="en-US" i="1" dirty="0" smtClean="0">
-                <a:sym typeface="Helvetica"/>
-              </a:rPr>
-              <a:t>-as-a-Service (SaaS)</a:t>
+              <a:t>Software-as-a-Service (SaaS)</a:t>
             </a:r>
           </a:p>
           <a:p>
@@ -3994,13 +4007,7 @@
               <a:rPr lang="en-US" i="1" dirty="0" smtClean="0">
                 <a:sym typeface="Helvetica"/>
               </a:rPr>
-              <a:t>Infrastructure</a:t>
-            </a:r>
-            <a:r>
-              <a:rPr lang="en-US" i="1" dirty="0" smtClean="0">
-                <a:sym typeface="Helvetica"/>
-              </a:rPr>
-              <a:t>-as-a-Service (IaaS)</a:t>
+              <a:t>Infrastructure-as-a-Service (IaaS)</a:t>
             </a:r>
           </a:p>
           <a:p>
@@ -4147,7 +4154,6 @@
               <a:rPr lang="en-US" dirty="0"/>
               <a:t> and Automation. </a:t>
             </a:r>
-            <a:endParaRPr lang="en-US" dirty="0"/>
           </a:p>
         </p:txBody>
       </p:sp>
@@ -4407,6 +4413,13 @@
   <p:clrMapOvr>
     <a:masterClrMapping/>
   </p:clrMapOvr>
+  <p:timing>
+    <p:tnLst>
+      <p:par>
+        <p:cTn xmlns:p14="http://schemas.microsoft.com/office/powerpoint/2010/main" id="1" dur="indefinite" restart="never" nodeType="tmRoot"/>
+      </p:par>
+    </p:tnLst>
+  </p:timing>
 </p:sld>
 </file>
 
@@ -4523,7 +4536,6 @@
               <a:rPr lang="en-US" dirty="0" smtClean="0"/>
               <a:t> </a:t>
             </a:r>
-            <a:endParaRPr lang="en-US" dirty="0" smtClean="0"/>
           </a:p>
         </p:txBody>
       </p:sp>
@@ -4559,7 +4571,23 @@
             <a:pPr lvl="0"/>
             <a:r>
               <a:rPr lang="en-US" dirty="0" smtClean="0"/>
-              <a:t>cloud computing provider has several… provide a larger number of little less powerful computers….</a:t>
+              <a:t>cloud computing provider has several… </a:t>
+            </a:r>
+            <a:endParaRPr lang="en-US" dirty="0" smtClean="0"/>
+          </a:p>
+          <a:p>
+            <a:pPr lvl="0"/>
+            <a:r>
+              <a:rPr lang="en-US" dirty="0" smtClean="0"/>
+              <a:t>… </a:t>
+            </a:r>
+            <a:r>
+              <a:rPr lang="en-US" dirty="0" smtClean="0"/>
+              <a:t>provide </a:t>
+            </a:r>
+            <a:r>
+              <a:rPr lang="en-US" dirty="0" smtClean="0"/>
+              <a:t>a larger number of little less powerful computers….</a:t>
             </a:r>
           </a:p>
         </p:txBody>
@@ -4604,6 +4632,13 @@
   <p:clrMapOvr>
     <a:masterClrMapping/>
   </p:clrMapOvr>
+  <p:timing>
+    <p:tnLst>
+      <p:par>
+        <p:cTn xmlns:p14="http://schemas.microsoft.com/office/powerpoint/2010/main" id="1" dur="indefinite" restart="never" nodeType="tmRoot"/>
+      </p:par>
+    </p:tnLst>
+  </p:timing>
 </p:sld>
 </file>
 
@@ -4649,11 +4684,7 @@
           <a:p>
             <a:r>
               <a:rPr lang="en-US" dirty="0" smtClean="0"/>
-              <a:t>Virtual </a:t>
-            </a:r>
-            <a:r>
-              <a:rPr lang="en-US" dirty="0" smtClean="0"/>
-              <a:t>Machine</a:t>
+              <a:t>Virtual Machine</a:t>
             </a:r>
             <a:endParaRPr lang="en-US" dirty="0"/>
           </a:p>
@@ -4695,21 +4726,12 @@
               <a:rPr lang="en-US" dirty="0" smtClean="0"/>
               <a:t>Instance running in the cloud appear to you just as..</a:t>
             </a:r>
-            <a:endParaRPr lang="en-US" dirty="0" smtClean="0"/>
           </a:p>
           <a:p>
             <a:pPr lvl="1"/>
             <a:r>
               <a:rPr lang="en-US" dirty="0" smtClean="0"/>
-              <a:t>an </a:t>
-            </a:r>
-            <a:r>
-              <a:rPr lang="en-US" dirty="0" smtClean="0"/>
-              <a:t>operating system, network access (a real IP address), and hard disk storage</a:t>
-            </a:r>
-            <a:r>
-              <a:rPr lang="en-US" dirty="0" smtClean="0"/>
-              <a:t>.</a:t>
+              <a:t>an operating system, network access (a real IP address), and hard disk storage.</a:t>
             </a:r>
           </a:p>
           <a:p>
@@ -4718,7 +4740,6 @@
               <a:rPr lang="en-US" dirty="0" smtClean="0"/>
               <a:t>You as a user can’t see that the HW is actually running on top..</a:t>
             </a:r>
-            <a:endParaRPr lang="en-US" dirty="0" smtClean="0"/>
           </a:p>
           <a:p>
             <a:r>
@@ -4731,7 +4752,6 @@
               <a:rPr lang="en-US" dirty="0" smtClean="0"/>
               <a:t>: </a:t>
             </a:r>
-            <a:endParaRPr lang="en-US" dirty="0" smtClean="0"/>
           </a:p>
           <a:p>
             <a:pPr lvl="1"/>
@@ -4747,27 +4767,13 @@
             </a:r>
             <a:r>
               <a:rPr lang="en-US" dirty="0" smtClean="0"/>
-              <a:t>no </a:t>
-            </a:r>
-            <a:r>
-              <a:rPr lang="en-US" dirty="0" smtClean="0"/>
-              <a:t>hardware </a:t>
-            </a:r>
-            <a:r>
-              <a:rPr lang="en-US" dirty="0" smtClean="0"/>
-              <a:t>maintenance </a:t>
+              <a:t>no hardware maintenance </a:t>
             </a:r>
             <a:r>
               <a:rPr lang="en-US" dirty="0" smtClean="0">
                 <a:sym typeface="Wingdings"/>
               </a:rPr>
-              <a:t> chea</a:t>
-            </a:r>
-            <a:r>
-              <a:rPr lang="en-US" dirty="0" smtClean="0">
-                <a:sym typeface="Wingdings"/>
-              </a:rPr>
-              <a:t>p and easy</a:t>
+              <a:t> cheap and easy</a:t>
             </a:r>
             <a:r>
               <a:rPr lang="en-US" dirty="0" smtClean="0"/>
@@ -4778,25 +4784,8 @@
             <a:pPr lvl="1"/>
             <a:r>
               <a:rPr lang="en-US" dirty="0" smtClean="0"/>
-              <a:t>You </a:t>
-            </a:r>
-            <a:r>
-              <a:rPr lang="en-US" dirty="0" smtClean="0"/>
-              <a:t>can </a:t>
-            </a:r>
-            <a:r>
-              <a:rPr lang="en-US" dirty="0" smtClean="0"/>
-              <a:t>take </a:t>
-            </a:r>
-            <a:r>
-              <a:rPr lang="en-US" dirty="0" smtClean="0"/>
-              <a:t>a “Snapshot</a:t>
-            </a:r>
-            <a:r>
-              <a:rPr lang="en-US" dirty="0" smtClean="0"/>
-              <a:t>”</a:t>
-            </a:r>
-            <a:endParaRPr lang="en-US" dirty="0" smtClean="0"/>
+              <a:t>You can take a “Snapshot”</a:t>
+            </a:r>
           </a:p>
         </p:txBody>
       </p:sp>
@@ -4810,6 +4799,13 @@
   <p:clrMapOvr>
     <a:masterClrMapping/>
   </p:clrMapOvr>
+  <p:timing>
+    <p:tnLst>
+      <p:par>
+        <p:cTn xmlns:p14="http://schemas.microsoft.com/office/powerpoint/2010/main" id="1" dur="indefinite" restart="never" nodeType="tmRoot"/>
+      </p:par>
+    </p:tnLst>
+  </p:timing>
 </p:sld>
 </file>
 
@@ -4896,15 +4892,7 @@
             </a:r>
             <a:r>
               <a:rPr lang="en-US" dirty="0" smtClean="0"/>
-              <a:t> is the software that manages communications between the </a:t>
-            </a:r>
-            <a:r>
-              <a:rPr lang="en-US" dirty="0" smtClean="0"/>
-              <a:t>physical hardware </a:t>
-            </a:r>
-            <a:r>
-              <a:rPr lang="en-US" dirty="0" smtClean="0"/>
-              <a:t>and and the VMs running on it.</a:t>
+              <a:t> is the software that manages communications between the physical hardware and and the VMs running on it.</a:t>
             </a:r>
             <a:endParaRPr lang="en-US" dirty="0"/>
           </a:p>
@@ -4991,6 +4979,13 @@
   <p:clrMapOvr>
     <a:masterClrMapping/>
   </p:clrMapOvr>
+  <p:timing>
+    <p:tnLst>
+      <p:par>
+        <p:cTn xmlns:p14="http://schemas.microsoft.com/office/powerpoint/2010/main" id="1" dur="indefinite" restart="never" nodeType="tmRoot"/>
+      </p:par>
+    </p:tnLst>
+  </p:timing>
 </p:sld>
 </file>
 
@@ -5064,13 +5059,8 @@
             </a:pPr>
             <a:r>
               <a:rPr lang="en-US" dirty="0" smtClean="0"/>
-              <a:t>Common concerns </a:t>
-            </a:r>
-            <a:r>
-              <a:rPr lang="en-US" dirty="0" smtClean="0"/>
-              <a:t>include:</a:t>
-            </a:r>
-            <a:endParaRPr lang="en-US" dirty="0" smtClean="0"/>
+              <a:t>Common concerns include:</a:t>
+            </a:r>
           </a:p>
           <a:p>
             <a:r>
@@ -5085,11 +5075,7 @@
           <a:p>
             <a:r>
               <a:rPr lang="en-US" dirty="0" smtClean="0"/>
-              <a:t>Privacy </a:t>
-            </a:r>
-            <a:r>
-              <a:rPr lang="en-US" dirty="0" smtClean="0"/>
-              <a:t>&amp; Security</a:t>
+              <a:t>Privacy &amp; Security</a:t>
             </a:r>
           </a:p>
           <a:p>
@@ -5101,7 +5087,6 @@
               <a:rPr lang="en-US" dirty="0" smtClean="0"/>
               <a:t>.</a:t>
             </a:r>
-            <a:endParaRPr lang="en-US" dirty="0" smtClean="0"/>
           </a:p>
           <a:p>
             <a:pPr marL="0" lvl="0" indent="0">
@@ -5119,19 +5104,7 @@
             </a:r>
             <a:r>
               <a:rPr lang="en-US" dirty="0" smtClean="0"/>
-              <a:t>will discuss </a:t>
-            </a:r>
-            <a:r>
-              <a:rPr lang="en-US" dirty="0" smtClean="0"/>
-              <a:t>security related information in </a:t>
-            </a:r>
-            <a:r>
-              <a:rPr lang="en-US" dirty="0" smtClean="0"/>
-              <a:t>more detail</a:t>
-            </a:r>
-            <a:r>
-              <a:rPr lang="en-US" dirty="0" smtClean="0"/>
-              <a:t>.</a:t>
+              <a:t>will discuss security related information in more detail.</a:t>
             </a:r>
           </a:p>
           <a:p>
@@ -5200,6 +5173,13 @@
   <p:clrMapOvr>
     <a:masterClrMapping/>
   </p:clrMapOvr>
+  <p:timing>
+    <p:tnLst>
+      <p:par>
+        <p:cTn xmlns:p14="http://schemas.microsoft.com/office/powerpoint/2010/main" id="1" dur="indefinite" restart="never" nodeType="tmRoot"/>
+      </p:par>
+    </p:tnLst>
+  </p:timing>
 </p:sld>
 </file>
 
@@ -5330,15 +5310,7 @@
             <a:pPr lvl="0"/>
             <a:r>
               <a:rPr lang="en-US" dirty="0" smtClean="0"/>
-              <a:t>is </a:t>
-            </a:r>
-            <a:r>
-              <a:rPr lang="en-US" dirty="0" smtClean="0"/>
-              <a:t>an Australian Government project</a:t>
-            </a:r>
-            <a:r>
-              <a:rPr lang="en-US" dirty="0" smtClean="0"/>
-              <a:t>.</a:t>
+              <a:t>is an Australian Government project.</a:t>
             </a:r>
           </a:p>
           <a:p>
@@ -5385,6 +5357,13 @@
   <p:clrMapOvr>
     <a:masterClrMapping/>
   </p:clrMapOvr>
+  <p:timing>
+    <p:tnLst>
+      <p:par>
+        <p:cTn xmlns:p14="http://schemas.microsoft.com/office/powerpoint/2010/main" id="1" dur="indefinite" restart="never" nodeType="tmRoot"/>
+      </p:par>
+    </p:tnLst>
+  </p:timing>
 </p:sld>
 </file>
 
@@ -5407,114 +5386,102 @@
       </p:grpSpPr>
       <p:sp>
         <p:nvSpPr>
-          <p:cNvPr id="8" name="Title 7"/>
-          <p:cNvSpPr>
-            <a:spLocks noGrp="1"/>
-          </p:cNvSpPr>
-          <p:nvPr>
-            <p:ph type="title"/>
-          </p:nvPr>
-        </p:nvSpPr>
-        <p:spPr/>
-        <p:txBody>
-          <a:bodyPr/>
-          <a:lstStyle/>
-          <a:p>
-            <a:r>
-              <a:rPr lang="en-US" dirty="0" smtClean="0"/>
-              <a:t>What is Cloud Computing?</a:t>
-            </a:r>
-            <a:endParaRPr lang="en-US" dirty="0"/>
-          </a:p>
-        </p:txBody>
-      </p:sp>
-      <p:sp>
-        <p:nvSpPr>
           <p:cNvPr id="5" name="Content Placeholder 4"/>
           <p:cNvSpPr>
             <a:spLocks noGrp="1"/>
           </p:cNvSpPr>
           <p:nvPr>
-            <p:ph sz="half" idx="1"/>
-          </p:nvPr>
-        </p:nvSpPr>
-        <p:spPr/>
-        <p:txBody>
-          <a:bodyPr>
-            <a:normAutofit fontScale="77500" lnSpcReduction="20000"/>
-          </a:bodyPr>
-          <a:lstStyle/>
-          <a:p>
-            <a:pPr lvl="0"/>
-            <a:r>
-              <a:rPr lang="en-US" dirty="0" smtClean="0"/>
-              <a:t>Simply put, cloud computing means storing and accessing </a:t>
-            </a:r>
-            <a:r>
-              <a:rPr lang="en-US" b="1" dirty="0" smtClean="0">
-                <a:sym typeface="Helvetica"/>
-              </a:rPr>
-              <a:t>data and programs</a:t>
-            </a:r>
-            <a:r>
-              <a:rPr lang="en-US" b="1" dirty="0" smtClean="0"/>
-              <a:t> </a:t>
-            </a:r>
-            <a:r>
-              <a:rPr lang="en-US" dirty="0" smtClean="0"/>
-              <a:t>over the Internet instead of on your own computers hard drive.</a:t>
-            </a:r>
-          </a:p>
-          <a:p>
-            <a:pPr lvl="0"/>
-            <a:r>
-              <a:rPr lang="en-US" dirty="0" smtClean="0"/>
-              <a:t>Your local computer is only used to control your resources from remote and display things on your screen — the data and compute servers are actually “in the cloud”</a:t>
-            </a:r>
-            <a:endParaRPr lang="en-US" dirty="0"/>
-          </a:p>
-        </p:txBody>
-      </p:sp>
-      <p:pic>
-        <p:nvPicPr>
-          <p:cNvPr id="3" name="Picture 2" descr="CloudServices.png"/>
-          <p:cNvPicPr>
-            <a:picLocks noChangeAspect="1"/>
-          </p:cNvPicPr>
-          <p:nvPr/>
-        </p:nvPicPr>
-        <p:blipFill>
-          <a:blip r:embed="rId2">
-            <a:extLst>
-              <a:ext uri="{28A0092B-C50C-407E-A947-70E740481C1C}">
-                <a14:useLocalDpi xmlns:a14="http://schemas.microsoft.com/office/drawing/2010/main" val="0"/>
-              </a:ext>
-            </a:extLst>
-          </a:blip>
-          <a:stretch>
-            <a:fillRect/>
-          </a:stretch>
-        </p:blipFill>
+            <p:ph idx="1"/>
+          </p:nvPr>
+        </p:nvSpPr>
         <p:spPr>
           <a:xfrm>
-            <a:off x="4495800" y="1697760"/>
-            <a:ext cx="4233512" cy="1874575"/>
+            <a:off x="457200" y="596160"/>
+            <a:ext cx="8229600" cy="3998463"/>
           </a:xfrm>
-          <a:prstGeom prst="rect">
-            <a:avLst/>
-          </a:prstGeom>
         </p:spPr>
-      </p:pic>
+        <p:txBody>
+          <a:bodyPr>
+            <a:normAutofit/>
+          </a:bodyPr>
+          <a:lstStyle/>
+          <a:p>
+            <a:r>
+              <a:rPr lang="en-US" dirty="0" smtClean="0"/>
+              <a:t>What </a:t>
+            </a:r>
+            <a:r>
+              <a:rPr lang="en-US" dirty="0" smtClean="0"/>
+              <a:t>is cloud computing?</a:t>
+            </a:r>
+          </a:p>
+          <a:p>
+            <a:r>
+              <a:rPr lang="en-US" dirty="0" smtClean="0"/>
+              <a:t>Origins go back to 50ies. Early forms were..</a:t>
+            </a:r>
+          </a:p>
+          <a:p>
+            <a:r>
+              <a:rPr lang="en-US" dirty="0" smtClean="0"/>
+              <a:t>Today, cloud computing operates on the</a:t>
+            </a:r>
+            <a:r>
+              <a:rPr lang="en-US" dirty="0" smtClean="0"/>
+              <a:t>…</a:t>
+            </a:r>
+          </a:p>
+          <a:p>
+            <a:pPr lvl="1"/>
+            <a:r>
+              <a:rPr lang="en-US" dirty="0" smtClean="0"/>
+              <a:t>Large amounts of processing..</a:t>
+            </a:r>
+          </a:p>
+          <a:p>
+            <a:pPr lvl="1"/>
+            <a:r>
+              <a:rPr lang="en-US" dirty="0" smtClean="0"/>
+              <a:t>Accessed from simpler,…</a:t>
+            </a:r>
+            <a:endParaRPr lang="en-US" dirty="0" smtClean="0"/>
+          </a:p>
+          <a:p>
+            <a:r>
+              <a:rPr lang="en-US" dirty="0" smtClean="0"/>
+              <a:t>It is not officially clear where the term.</a:t>
+            </a:r>
+            <a:r>
+              <a:rPr lang="en-US" dirty="0" smtClean="0"/>
+              <a:t>.</a:t>
+            </a:r>
+            <a:endParaRPr lang="en-US" dirty="0" smtClean="0"/>
+          </a:p>
+          <a:p>
+            <a:pPr marL="457200" lvl="1" indent="0">
+              <a:buNone/>
+            </a:pPr>
+            <a:endParaRPr lang="en-US" dirty="0"/>
+          </a:p>
+        </p:txBody>
+      </p:sp>
     </p:spTree>
     <p:extLst>
       <p:ext uri="{BB962C8B-B14F-4D97-AF65-F5344CB8AC3E}">
-        <p14:creationId xmlns:p14="http://schemas.microsoft.com/office/powerpoint/2010/main" val="4265169697"/>
+        <p14:creationId xmlns:p14="http://schemas.microsoft.com/office/powerpoint/2010/main" val="759871126"/>
       </p:ext>
     </p:extLst>
   </p:cSld>
   <p:clrMapOvr>
     <a:masterClrMapping/>
   </p:clrMapOvr>
+  <p:timing>
+    <p:tnLst>
+      <p:par>
+        <p:cTn xmlns:p14="http://schemas.microsoft.com/office/powerpoint/2010/main" id="1" dur="indefinite" restart="never" nodeType="tmRoot"/>
+      </p:par>
+    </p:tnLst>
+  </p:timing>
 </p:sld>
 </file>
 
@@ -5586,27 +5553,14 @@
             <a:pPr lvl="0"/>
             <a:r>
               <a:rPr lang="en-US" dirty="0" smtClean="0"/>
-              <a:t>NeCTAR </a:t>
-            </a:r>
-            <a:r>
-              <a:rPr lang="en-US" dirty="0" smtClean="0"/>
-              <a:t>is </a:t>
-            </a:r>
-            <a:r>
-              <a:rPr lang="en-US" dirty="0" smtClean="0"/>
-              <a:t>building 3 products:</a:t>
-            </a:r>
-            <a:endParaRPr lang="en-US" dirty="0" smtClean="0"/>
+              <a:t>NeCTAR is building 3 products:</a:t>
+            </a:r>
           </a:p>
           <a:p>
             <a:pPr lvl="1"/>
             <a:r>
               <a:rPr lang="en-US" dirty="0" smtClean="0"/>
-              <a:t>Virtual </a:t>
-            </a:r>
-            <a:r>
-              <a:rPr lang="en-US" dirty="0" smtClean="0"/>
-              <a:t>Laboratories</a:t>
+              <a:t>Virtual Laboratories</a:t>
             </a:r>
           </a:p>
           <a:p>
@@ -5625,11 +5579,7 @@
             </a:r>
             <a:r>
               <a:rPr lang="en-US" dirty="0" smtClean="0"/>
-              <a:t> </a:t>
-            </a:r>
-            <a:r>
-              <a:rPr lang="en-US" dirty="0" smtClean="0"/>
-              <a:t>Tools</a:t>
+              <a:t> Tools</a:t>
             </a:r>
           </a:p>
           <a:p>
@@ -5677,7 +5627,6 @@
               <a:rPr lang="en-US" dirty="0" smtClean="0"/>
               <a:t>Cloud (the IaaS)</a:t>
             </a:r>
-            <a:endParaRPr lang="en-US" dirty="0" smtClean="0"/>
           </a:p>
         </p:txBody>
       </p:sp>
@@ -5691,6 +5640,13 @@
   <p:clrMapOvr>
     <a:masterClrMapping/>
   </p:clrMapOvr>
+  <p:timing>
+    <p:tnLst>
+      <p:par>
+        <p:cTn xmlns:p14="http://schemas.microsoft.com/office/powerpoint/2010/main" id="1" dur="indefinite" restart="never" nodeType="tmRoot"/>
+      </p:par>
+    </p:tnLst>
+  </p:timing>
 </p:sld>
 </file>
 
@@ -5762,25 +5718,12 @@
             <a:pPr lvl="0"/>
             <a:r>
               <a:rPr lang="en-US" dirty="0" smtClean="0"/>
-              <a:t>currently </a:t>
-            </a:r>
-            <a:r>
-              <a:rPr lang="en-US" dirty="0" smtClean="0"/>
-              <a:t>consists </a:t>
+              <a:t>currently consists </a:t>
             </a:r>
             <a:r>
               <a:rPr lang="en-US" b="1" dirty="0" smtClean="0"/>
-              <a:t>of </a:t>
-            </a:r>
-            <a:r>
-              <a:rPr lang="en-US" b="1" dirty="0" smtClean="0"/>
-              <a:t>8 data centers </a:t>
-            </a:r>
-            <a:r>
-              <a:rPr lang="en-US" b="1" dirty="0" smtClean="0"/>
-              <a:t>“Nodes” </a:t>
-            </a:r>
-            <a:endParaRPr lang="en-US" b="1" dirty="0" smtClean="0"/>
+              <a:t>of 8 data centers “Nodes” </a:t>
+            </a:r>
           </a:p>
           <a:p>
             <a:pPr lvl="0"/>
@@ -5794,13 +5737,7 @@
               <a:rPr lang="en-US" b="1" dirty="0" smtClean="0">
                 <a:sym typeface="Helvetica"/>
               </a:rPr>
-              <a:t>32.000 </a:t>
-            </a:r>
-            <a:r>
-              <a:rPr lang="en-US" b="1" dirty="0" smtClean="0">
-                <a:sym typeface="Helvetica"/>
-              </a:rPr>
-              <a:t>processor cores</a:t>
+              <a:t>32.000 processor cores</a:t>
             </a:r>
             <a:r>
               <a:rPr lang="en-US" b="1" dirty="0" smtClean="0"/>
@@ -5869,6 +5806,13 @@
   <p:clrMapOvr>
     <a:masterClrMapping/>
   </p:clrMapOvr>
+  <p:timing>
+    <p:tnLst>
+      <p:par>
+        <p:cTn xmlns:p14="http://schemas.microsoft.com/office/powerpoint/2010/main" id="1" dur="indefinite" restart="never" nodeType="tmRoot"/>
+      </p:par>
+    </p:tnLst>
+  </p:timing>
 </p:sld>
 </file>
 
@@ -5954,21 +5898,12 @@
               <a:rPr lang="en-US" b="1" dirty="0" smtClean="0"/>
               <a:t>maintenance</a:t>
             </a:r>
-            <a:endParaRPr lang="en-US" b="1" dirty="0" smtClean="0"/>
           </a:p>
           <a:p>
             <a:pPr lvl="0"/>
             <a:r>
               <a:rPr lang="en-US" dirty="0" smtClean="0"/>
-              <a:t>Being </a:t>
-            </a:r>
-            <a:r>
-              <a:rPr lang="en-US" dirty="0" smtClean="0"/>
-              <a:t>able to share </a:t>
-            </a:r>
-            <a:r>
-              <a:rPr lang="en-US" dirty="0" smtClean="0"/>
-              <a:t>infrastructure </a:t>
+              <a:t>Being able to share infrastructure </a:t>
             </a:r>
             <a:r>
               <a:rPr lang="en-US" dirty="0" smtClean="0">
@@ -5990,7 +5925,6 @@
               <a:rPr lang="en-US" dirty="0" smtClean="0"/>
               <a:t>.</a:t>
             </a:r>
-            <a:endParaRPr lang="en-US" dirty="0" smtClean="0"/>
           </a:p>
           <a:p>
             <a:pPr lvl="0"/>
@@ -5998,7 +5932,6 @@
               <a:rPr lang="en-US" dirty="0" smtClean="0"/>
               <a:t>Lots of things you can do in the cloud, otherwise harder to achieve:</a:t>
             </a:r>
-            <a:endParaRPr lang="en-US" dirty="0" smtClean="0"/>
           </a:p>
           <a:p>
             <a:pPr lvl="1"/>
@@ -6006,7 +5939,6 @@
               <a:rPr lang="en-US" dirty="0" smtClean="0"/>
               <a:t>Module 3… to illustrate this</a:t>
             </a:r>
-            <a:endParaRPr lang="en-US" dirty="0" smtClean="0"/>
           </a:p>
           <a:p>
             <a:pPr lvl="1"/>
@@ -6020,17 +5952,8 @@
             </a:r>
             <a:r>
               <a:rPr lang="en-US" dirty="0" smtClean="0"/>
-              <a:t>. Reproducible </a:t>
-            </a:r>
-            <a:r>
-              <a:rPr lang="en-US" dirty="0" smtClean="0"/>
-              <a:t>research</a:t>
-            </a:r>
-            <a:r>
-              <a:rPr lang="en-US" dirty="0" smtClean="0"/>
-              <a:t>.</a:t>
-            </a:r>
-            <a:endParaRPr lang="en-US" dirty="0" smtClean="0"/>
+              <a:t>. Reproducible research.</a:t>
+            </a:r>
           </a:p>
         </p:txBody>
       </p:sp>
@@ -6044,6 +5967,13 @@
   <p:clrMapOvr>
     <a:masterClrMapping/>
   </p:clrMapOvr>
+  <p:timing>
+    <p:tnLst>
+      <p:par>
+        <p:cTn xmlns:p14="http://schemas.microsoft.com/office/powerpoint/2010/main" id="1" dur="indefinite" restart="never" nodeType="tmRoot"/>
+      </p:par>
+    </p:tnLst>
+  </p:timing>
 </p:sld>
 </file>
 
@@ -6130,29 +6060,12 @@
               <a:rPr lang="en-US" dirty="0" smtClean="0"/>
               <a:t>network</a:t>
             </a:r>
-            <a:endParaRPr lang="en-US" dirty="0" smtClean="0"/>
           </a:p>
           <a:p>
             <a:pPr lvl="0"/>
             <a:r>
               <a:rPr lang="en-US" dirty="0" smtClean="0"/>
-              <a:t>Cloud </a:t>
-            </a:r>
-            <a:r>
-              <a:rPr lang="en-US" dirty="0" smtClean="0"/>
-              <a:t>computing </a:t>
-            </a:r>
-            <a:r>
-              <a:rPr lang="en-US" dirty="0" smtClean="0"/>
-              <a:t>fast on its way to becoming </a:t>
-            </a:r>
-            <a:r>
-              <a:rPr lang="en-US" dirty="0" smtClean="0"/>
-              <a:t>a standard </a:t>
-            </a:r>
-            <a:r>
-              <a:rPr lang="en-US" dirty="0" smtClean="0"/>
-              <a:t>technology…. Advantages</a:t>
+              <a:t>Cloud computing fast on its way to becoming a standard technology…. Advantages</a:t>
             </a:r>
           </a:p>
           <a:p>
@@ -6195,6 +6108,13 @@
   <p:clrMapOvr>
     <a:masterClrMapping/>
   </p:clrMapOvr>
+  <p:timing>
+    <p:tnLst>
+      <p:par>
+        <p:cTn xmlns:p14="http://schemas.microsoft.com/office/powerpoint/2010/main" id="1" dur="indefinite" restart="never" nodeType="tmRoot"/>
+      </p:par>
+    </p:tnLst>
+  </p:timing>
 </p:sld>
 </file>
 
@@ -6289,11 +6209,7 @@
           <a:p>
             <a:r>
               <a:rPr lang="en-US" dirty="0" smtClean="0"/>
-              <a:t>Impossible to avoid risks 100%.... </a:t>
-            </a:r>
-            <a:r>
-              <a:rPr lang="en-US" dirty="0" smtClean="0"/>
-              <a:t>Cloud computing can offer security benefits</a:t>
+              <a:t>Impossible to avoid risks 100%.... Cloud computing can offer security benefits</a:t>
             </a:r>
           </a:p>
           <a:p>
@@ -6329,6 +6245,13 @@
   <p:clrMapOvr>
     <a:masterClrMapping/>
   </p:clrMapOvr>
+  <p:timing>
+    <p:tnLst>
+      <p:par>
+        <p:cTn xmlns:p14="http://schemas.microsoft.com/office/powerpoint/2010/main" id="1" dur="indefinite" restart="never" nodeType="tmRoot"/>
+      </p:par>
+    </p:tnLst>
+  </p:timing>
 </p:sld>
 </file>
 
@@ -6351,7 +6274,7 @@
       </p:grpSpPr>
       <p:sp>
         <p:nvSpPr>
-          <p:cNvPr id="5" name="Content Placeholder 4"/>
+          <p:cNvPr id="2" name="Content Placeholder 1"/>
           <p:cNvSpPr>
             <a:spLocks noGrp="1"/>
           </p:cNvSpPr>
@@ -6361,46 +6284,16 @@
         </p:nvSpPr>
         <p:spPr>
           <a:xfrm>
-            <a:off x="457200" y="596160"/>
-            <a:ext cx="8229600" cy="3998463"/>
+            <a:off x="457200" y="344003"/>
+            <a:ext cx="8229600" cy="4250620"/>
           </a:xfrm>
         </p:spPr>
         <p:txBody>
-          <a:bodyPr>
-            <a:normAutofit fontScale="85000" lnSpcReduction="10000"/>
-          </a:bodyPr>
-          <a:lstStyle/>
-          <a:p>
-            <a:r>
-              <a:rPr lang="en-US" dirty="0" err="1" smtClean="0"/>
-              <a:t>Wha</a:t>
-            </a:r>
-            <a:r>
-              <a:rPr lang="en-US" dirty="0" smtClean="0"/>
-              <a:t> t is cloud computing?</a:t>
-            </a:r>
-          </a:p>
-          <a:p>
-            <a:r>
-              <a:rPr lang="en-US" dirty="0" smtClean="0"/>
-              <a:t>Origins go back to 50ies. Early forms were..</a:t>
-            </a:r>
-          </a:p>
-          <a:p>
-            <a:r>
-              <a:rPr lang="en-US" dirty="0" smtClean="0"/>
-              <a:t>Today, cloud computing operates on the…</a:t>
-            </a:r>
-          </a:p>
-          <a:p>
-            <a:r>
-              <a:rPr lang="en-US" dirty="0" smtClean="0"/>
-              <a:t>It is not officially clear where the term..</a:t>
-            </a:r>
-          </a:p>
-          <a:p>
-            <a:r>
-              <a:rPr lang="en-US" dirty="0" smtClean="0"/>
+          <a:bodyPr/>
+          <a:lstStyle/>
+          <a:p>
+            <a:r>
+              <a:rPr lang="en-US" dirty="0"/>
               <a:t>So, how can we sum up… </a:t>
             </a:r>
           </a:p>
@@ -6408,28 +6301,29 @@
             <a:pPr lvl="1"/>
             <a:r>
               <a:rPr lang="en-US" dirty="0"/>
-              <a:t>storing and accessing data and programs over the Internet instead of on your own </a:t>
-            </a:r>
-            <a:r>
-              <a:rPr lang="en-US" dirty="0" smtClean="0"/>
-              <a:t>computers hardware.</a:t>
+              <a:t>storing and accessing data and programs over the Internet instead of on your own computers hardware.</a:t>
             </a:r>
           </a:p>
           <a:p>
             <a:pPr lvl="1"/>
             <a:r>
-              <a:rPr lang="en-US" dirty="0" smtClean="0"/>
-              <a:t>Local computer, which is… </a:t>
-            </a:r>
-            <a:r>
               <a:rPr lang="en-US" dirty="0"/>
-              <a:t>used to control your resources from remote and display things on your screen</a:t>
-            </a:r>
-          </a:p>
-          <a:p>
-            <a:pPr marL="457200" lvl="1" indent="0">
-              <a:buNone/>
-            </a:pPr>
+              <a:t>Local computer, which is… used to control your resources from remote and display things on your </a:t>
+            </a:r>
+            <a:r>
+              <a:rPr lang="en-US" dirty="0" smtClean="0"/>
+              <a:t>screen</a:t>
+            </a:r>
+          </a:p>
+          <a:p>
+            <a:pPr lvl="1"/>
+            <a:r>
+              <a:rPr lang="en-US" dirty="0" smtClean="0"/>
+              <a:t>The data and compute servers…</a:t>
+            </a:r>
+            <a:endParaRPr lang="en-US" dirty="0"/>
+          </a:p>
+          <a:p>
             <a:endParaRPr lang="en-US" dirty="0"/>
           </a:p>
         </p:txBody>
@@ -6437,13 +6331,20 @@
     </p:spTree>
     <p:extLst>
       <p:ext uri="{BB962C8B-B14F-4D97-AF65-F5344CB8AC3E}">
-        <p14:creationId xmlns:p14="http://schemas.microsoft.com/office/powerpoint/2010/main" val="759871126"/>
+        <p14:creationId xmlns:p14="http://schemas.microsoft.com/office/powerpoint/2010/main" val="60502806"/>
       </p:ext>
     </p:extLst>
   </p:cSld>
   <p:clrMapOvr>
     <a:masterClrMapping/>
   </p:clrMapOvr>
+  <p:timing>
+    <p:tnLst>
+      <p:par>
+        <p:cTn xmlns:p14="http://schemas.microsoft.com/office/powerpoint/2010/main" id="1" dur="indefinite" restart="never" nodeType="tmRoot"/>
+      </p:par>
+    </p:tnLst>
+  </p:timing>
 </p:sld>
 </file>
 
@@ -6482,7 +6383,7 @@
         </p:spPr>
         <p:txBody>
           <a:bodyPr>
-            <a:normAutofit lnSpcReduction="10000"/>
+            <a:normAutofit fontScale="92500" lnSpcReduction="10000"/>
           </a:bodyPr>
           <a:lstStyle/>
           <a:p>
@@ -6495,7 +6396,26 @@
             <a:pPr lvl="1"/>
             <a:r>
               <a:rPr lang="en-US" dirty="0" smtClean="0"/>
-              <a:t>Go through lengthy process to obtain access</a:t>
+              <a:t>Research software needs lots of </a:t>
+            </a:r>
+            <a:r>
+              <a:rPr lang="en-US" dirty="0" err="1" smtClean="0"/>
+              <a:t>c.p</a:t>
+            </a:r>
+            <a:r>
+              <a:rPr lang="en-US" dirty="0" smtClean="0"/>
+              <a:t>. and storage</a:t>
+            </a:r>
+          </a:p>
+          <a:p>
+            <a:pPr lvl="1"/>
+            <a:r>
+              <a:rPr lang="en-US" dirty="0" smtClean="0"/>
+              <a:t>Go </a:t>
+            </a:r>
+            <a:r>
+              <a:rPr lang="en-US" dirty="0" smtClean="0"/>
+              <a:t>through lengthy process to obtain access</a:t>
             </a:r>
           </a:p>
           <a:p>
@@ -6564,7 +6484,7 @@
         </p:blipFill>
         <p:spPr>
           <a:xfrm>
-            <a:off x="6188914" y="3188161"/>
+            <a:off x="6188914" y="3532163"/>
             <a:ext cx="2739647" cy="1308960"/>
           </a:xfrm>
           <a:prstGeom prst="rect">
@@ -6582,6 +6502,13 @@
   <p:clrMapOvr>
     <a:masterClrMapping/>
   </p:clrMapOvr>
+  <p:timing>
+    <p:tnLst>
+      <p:par>
+        <p:cTn xmlns:p14="http://schemas.microsoft.com/office/powerpoint/2010/main" id="1" dur="indefinite" restart="never" nodeType="tmRoot"/>
+      </p:par>
+    </p:tnLst>
+  </p:timing>
 </p:sld>
 </file>
 
@@ -6643,7 +6570,7 @@
         </p:spPr>
         <p:txBody>
           <a:bodyPr>
-            <a:normAutofit fontScale="77500" lnSpcReduction="20000"/>
+            <a:normAutofit fontScale="85000" lnSpcReduction="20000"/>
           </a:bodyPr>
           <a:lstStyle/>
           <a:p>
@@ -6659,7 +6586,6 @@
               <a:rPr lang="en-US" dirty="0" smtClean="0"/>
               <a:t>Nice thing about NeCTAR.. Free!</a:t>
             </a:r>
-            <a:endParaRPr lang="en-US" dirty="0" smtClean="0"/>
           </a:p>
           <a:p>
             <a:pPr lvl="0"/>
@@ -6685,33 +6611,18 @@
               <a:rPr lang="en-US" b="1" dirty="0" smtClean="0">
                 <a:sym typeface="Helvetica"/>
               </a:rPr>
-              <a:t>access </a:t>
-            </a:r>
-            <a:r>
-              <a:rPr lang="en-US" b="1" dirty="0" smtClean="0">
-                <a:sym typeface="Helvetica"/>
-              </a:rPr>
-              <a:t>to collaborators</a:t>
+              <a:t>access to collaborators</a:t>
             </a:r>
             <a:r>
               <a:rPr lang="en-US" b="1" dirty="0" smtClean="0"/>
               <a:t> </a:t>
             </a:r>
-            <a:endParaRPr lang="en-US" b="1" dirty="0" smtClean="0"/>
           </a:p>
           <a:p>
             <a:pPr lvl="1"/>
             <a:r>
               <a:rPr lang="en-US" dirty="0" smtClean="0"/>
-              <a:t>Save </a:t>
-            </a:r>
-            <a:r>
-              <a:rPr lang="en-US" dirty="0" smtClean="0"/>
-              <a:t>time </a:t>
-            </a:r>
-            <a:r>
-              <a:rPr lang="en-US" dirty="0" smtClean="0"/>
-              <a:t>synchronizing your work.</a:t>
+              <a:t>Save time synchronizing your work.</a:t>
             </a:r>
           </a:p>
           <a:p>
@@ -6724,21 +6635,12 @@
           <a:p>
             <a:r>
               <a:rPr lang="en-US" dirty="0" smtClean="0"/>
-              <a:t>Of course, the fact that resources ar</a:t>
-            </a:r>
-            <a:r>
-              <a:rPr lang="en-US" dirty="0" smtClean="0"/>
-              <a:t>e accessible..  Modules 5 and 8!</a:t>
-            </a:r>
-          </a:p>
-          <a:p>
-            <a:r>
-              <a:rPr lang="en-US" dirty="0" smtClean="0"/>
-              <a:t>Other advantages and drawbacks… </a:t>
-            </a:r>
-          </a:p>
-          <a:p>
-            <a:pPr lvl="1"/>
+              <a:t>Of course, the fact that resources are accessible..  Modules 5 and 8</a:t>
+            </a:r>
+            <a:r>
+              <a:rPr lang="en-US" dirty="0" smtClean="0"/>
+              <a:t>!</a:t>
+            </a:r>
             <a:endParaRPr lang="en-US" dirty="0" smtClean="0"/>
           </a:p>
         </p:txBody>
@@ -6783,6 +6685,13 @@
   <p:clrMapOvr>
     <a:masterClrMapping/>
   </p:clrMapOvr>
+  <p:timing>
+    <p:tnLst>
+      <p:par>
+        <p:cTn xmlns:p14="http://schemas.microsoft.com/office/powerpoint/2010/main" id="1" dur="indefinite" restart="never" nodeType="tmRoot"/>
+      </p:par>
+    </p:tnLst>
+  </p:timing>
 </p:sld>
 </file>
 
@@ -6856,13 +6765,8 @@
             </a:pPr>
             <a:r>
               <a:rPr lang="en-US" dirty="0" smtClean="0"/>
-              <a:t>Five </a:t>
-            </a:r>
-            <a:r>
-              <a:rPr lang="en-US" dirty="0" smtClean="0"/>
-              <a:t>main characteristics:</a:t>
-            </a:r>
-            <a:endParaRPr lang="en-US" dirty="0" smtClean="0"/>
+              <a:t>Five main characteristics:</a:t>
+            </a:r>
           </a:p>
           <a:p>
             <a:r>
@@ -6876,21 +6780,8 @@
             <a:pPr lvl="1"/>
             <a:r>
               <a:rPr lang="en-US" dirty="0" smtClean="0"/>
-              <a:t>consumers can provision resources </a:t>
-            </a:r>
-            <a:r>
-              <a:rPr lang="en-US" dirty="0" smtClean="0"/>
-              <a:t>like computing </a:t>
-            </a:r>
-            <a:r>
-              <a:rPr lang="en-US" dirty="0" smtClean="0"/>
-              <a:t>power and </a:t>
-            </a:r>
-            <a:r>
-              <a:rPr lang="en-US" dirty="0" smtClean="0"/>
-              <a:t>storage</a:t>
-            </a:r>
-            <a:endParaRPr lang="en-US" dirty="0" smtClean="0"/>
+              <a:t>consumers can provision resources like computing power and storage</a:t>
+            </a:r>
           </a:p>
           <a:p>
             <a:r>
@@ -6904,19 +6795,7 @@
             <a:pPr lvl="1"/>
             <a:r>
               <a:rPr lang="en-US" dirty="0" smtClean="0"/>
-              <a:t>Allows access </a:t>
-            </a:r>
-            <a:r>
-              <a:rPr lang="en-US" dirty="0" smtClean="0"/>
-              <a:t>of compute and storage services </a:t>
-            </a:r>
-            <a:r>
-              <a:rPr lang="en-US" dirty="0" smtClean="0"/>
-              <a:t>through a </a:t>
-            </a:r>
-            <a:r>
-              <a:rPr lang="en-US" dirty="0" smtClean="0"/>
-              <a:t>variety of devices</a:t>
+              <a:t>Allows access of compute and storage services through a variety of devices</a:t>
             </a:r>
           </a:p>
           <a:p>
@@ -6926,9 +6805,6 @@
               </a:rPr>
               <a:t>Resources are “pooled”</a:t>
             </a:r>
-            <a:endParaRPr lang="en-US" dirty="0" smtClean="0">
-              <a:sym typeface="Helvetica"/>
-            </a:endParaRPr>
           </a:p>
           <a:p>
             <a:pPr lvl="1"/>
@@ -6952,7 +6828,6 @@
               <a:rPr lang="en-US" dirty="0" smtClean="0"/>
               <a:t> or comp.</a:t>
             </a:r>
-            <a:endParaRPr lang="en-US" dirty="0" smtClean="0"/>
           </a:p>
           <a:p>
             <a:r>
@@ -6970,9 +6845,6 @@
               </a:rPr>
               <a:t>Request more resources when needed</a:t>
             </a:r>
-            <a:endParaRPr lang="en-US" dirty="0" smtClean="0">
-              <a:sym typeface="Helvetica"/>
-            </a:endParaRPr>
           </a:p>
           <a:p>
             <a:r>
@@ -6981,9 +6853,6 @@
               </a:rPr>
               <a:t>Cloud computing is a “Measured service”</a:t>
             </a:r>
-            <a:endParaRPr lang="en-US" dirty="0" smtClean="0">
-              <a:sym typeface="Helvetica"/>
-            </a:endParaRPr>
           </a:p>
           <a:p>
             <a:pPr lvl="1"/>
@@ -7004,6 +6873,13 @@
   <p:clrMapOvr>
     <a:masterClrMapping/>
   </p:clrMapOvr>
+  <p:timing>
+    <p:tnLst>
+      <p:par>
+        <p:cTn xmlns:p14="http://schemas.microsoft.com/office/powerpoint/2010/main" id="1" dur="indefinite" restart="never" nodeType="tmRoot"/>
+      </p:par>
+    </p:tnLst>
+  </p:timing>
 </p:sld>
 </file>
 
@@ -7077,11 +6953,7 @@
             </a:pPr>
             <a:r>
               <a:rPr lang="en-US" dirty="0" smtClean="0"/>
-              <a:t>With this, cloud </a:t>
-            </a:r>
-            <a:r>
-              <a:rPr lang="en-US" dirty="0" smtClean="0"/>
-              <a:t>computing enables IT infrastructure to be</a:t>
+              <a:t>With this, cloud computing enables IT infrastructure to be</a:t>
             </a:r>
           </a:p>
           <a:p>
@@ -7116,7 +6988,6 @@
               <a:rPr lang="en-US" dirty="0" smtClean="0"/>
               <a:t>. </a:t>
             </a:r>
-            <a:endParaRPr lang="en-US" dirty="0" smtClean="0"/>
           </a:p>
           <a:p>
             <a:r>
@@ -7125,17 +6996,12 @@
             </a:r>
             <a:r>
               <a:rPr lang="en-US" b="1" dirty="0" smtClean="0"/>
-              <a:t>easy </a:t>
-            </a:r>
-            <a:r>
-              <a:rPr lang="en-US" b="1" dirty="0" smtClean="0"/>
-              <a:t>to use</a:t>
+              <a:t>easy to use</a:t>
             </a:r>
             <a:r>
               <a:rPr lang="en-US" dirty="0" smtClean="0"/>
               <a:t>: </a:t>
             </a:r>
-            <a:endParaRPr lang="en-US" dirty="0" smtClean="0"/>
           </a:p>
           <a:p>
             <a:pPr lvl="1"/>
@@ -7151,7 +7017,6 @@
               <a:rPr lang="en-US" dirty="0" smtClean="0"/>
               <a:t> does not have to worry about maintenance of infrastructure.</a:t>
             </a:r>
-            <a:endParaRPr lang="en-US" dirty="0" smtClean="0"/>
           </a:p>
           <a:p>
             <a:r>
@@ -7166,17 +7031,12 @@
               <a:rPr lang="en-US" dirty="0" smtClean="0"/>
               <a:t>:</a:t>
             </a:r>
-            <a:endParaRPr lang="en-US" dirty="0" smtClean="0"/>
           </a:p>
           <a:p>
             <a:pPr lvl="1"/>
             <a:r>
               <a:rPr lang="en-US" dirty="0" smtClean="0"/>
-              <a:t>Which would be required for </a:t>
-            </a:r>
-            <a:r>
-              <a:rPr lang="en-US" dirty="0" smtClean="0"/>
-              <a:t>local infrastructure.</a:t>
+              <a:t>Which would be required for local infrastructure.</a:t>
             </a:r>
             <a:endParaRPr lang="en-US" dirty="0"/>
           </a:p>
@@ -7192,6 +7052,13 @@
   <p:clrMapOvr>
     <a:masterClrMapping/>
   </p:clrMapOvr>
+  <p:timing>
+    <p:tnLst>
+      <p:par>
+        <p:cTn xmlns:p14="http://schemas.microsoft.com/office/powerpoint/2010/main" id="1" dur="indefinite" restart="never" nodeType="tmRoot"/>
+      </p:par>
+    </p:tnLst>
+  </p:timing>
 </p:sld>
 </file>
 
@@ -7263,11 +7130,7 @@
             <a:pPr lvl="0"/>
             <a:r>
               <a:rPr lang="en-US" dirty="0" smtClean="0"/>
-              <a:t>Provision of computing power in </a:t>
-            </a:r>
-            <a:r>
-              <a:rPr lang="en-US" dirty="0" smtClean="0"/>
-              <a:t>form of virtual machines</a:t>
+              <a:t>Provision of computing power in form of virtual machines</a:t>
             </a:r>
           </a:p>
           <a:p>
@@ -7289,22 +7152,14 @@
             <a:pPr lvl="0"/>
             <a:r>
               <a:rPr lang="en-US" dirty="0" smtClean="0"/>
-              <a:t>Various </a:t>
-            </a:r>
-            <a:r>
-              <a:rPr lang="en-US" dirty="0" smtClean="0"/>
-              <a:t>software services</a:t>
+              <a:t>Various software services</a:t>
             </a:r>
           </a:p>
           <a:p>
             <a:pPr lvl="0"/>
             <a:r>
               <a:rPr lang="en-US" dirty="0" smtClean="0"/>
-              <a:t>Development </a:t>
-            </a:r>
-            <a:r>
-              <a:rPr lang="en-US" dirty="0" smtClean="0"/>
-              <a:t>&amp; Deployment platforms</a:t>
+              <a:t>Development &amp; Deployment platforms</a:t>
             </a:r>
           </a:p>
           <a:p>
@@ -7405,17 +7260,8 @@
             <a:pPr lvl="1"/>
             <a:r>
               <a:rPr lang="en-US" dirty="0" smtClean="0"/>
-              <a:t>Google services, e.g. Google </a:t>
-            </a:r>
-            <a:r>
-              <a:rPr lang="en-US" dirty="0" smtClean="0"/>
-              <a:t>Drive, Google </a:t>
-            </a:r>
-            <a:r>
-              <a:rPr lang="en-US" dirty="0" smtClean="0"/>
-              <a:t>Docs</a:t>
-            </a:r>
-            <a:endParaRPr lang="en-US" dirty="0" smtClean="0"/>
+              <a:t>Google services, e.g. Google Drive, Google Docs</a:t>
+            </a:r>
           </a:p>
           <a:p>
             <a:pPr lvl="1"/>
